--- a/pictures/Emer-Fog实验床.pptx
+++ b/pictures/Emer-Fog实验床.pptx
@@ -203,7 +203,7 @@
           <a:p>
             <a:fld id="{202C1FBA-CF23-45CA-A289-03E32D160964}" type="datetimeFigureOut">
               <a:rPr lang="zh-CN" altLang="en-US" smtClean="0"/>
-              <a:t>2018/10/29</a:t>
+              <a:t>2018/10/30</a:t>
             </a:fld>
             <a:endParaRPr lang="zh-CN" altLang="en-US"/>
           </a:p>
@@ -368,7 +368,7 @@
           <a:p>
             <a:fld id="{6D966BD8-0FC1-456F-BDC6-7D0CA8E36566}" type="datetimeFigureOut">
               <a:rPr lang="zh-CN" altLang="en-US" smtClean="0"/>
-              <a:t>2018/10/29</a:t>
+              <a:t>2018/10/30</a:t>
             </a:fld>
             <a:endParaRPr lang="zh-CN" altLang="en-US"/>
           </a:p>
@@ -6923,13 +6923,13 @@
         </p:nvSpPr>
         <p:spPr>
           <a:xfrm>
-            <a:off x="376525" y="1628235"/>
-            <a:ext cx="8607162" cy="1351398"/>
+            <a:off x="0" y="1488186"/>
+            <a:ext cx="9401452" cy="1582216"/>
           </a:xfrm>
         </p:spPr>
         <p:txBody>
           <a:bodyPr>
-            <a:normAutofit fontScale="77500" lnSpcReduction="20000"/>
+            <a:normAutofit fontScale="70000" lnSpcReduction="20000"/>
           </a:bodyPr>
           <a:lstStyle/>
           <a:p>
@@ -6954,6 +6954,62 @@
             <a:pPr lvl="1"/>
             <a:r>
               <a:rPr lang="zh-CN" altLang="en-US" dirty="0"/>
+              <a:t>使用</a:t>
+            </a:r>
+            <a:r>
+              <a:rPr lang="en-US" altLang="zh-CN" b="1" dirty="0"/>
+              <a:t>Raspberry Pi</a:t>
+            </a:r>
+            <a:r>
+              <a:rPr lang="zh-CN" altLang="en-US" dirty="0"/>
+              <a:t>作为硬件平台，在</a:t>
+            </a:r>
+            <a:r>
+              <a:rPr lang="en-US" altLang="zh-CN" dirty="0"/>
+              <a:t>Raspbian</a:t>
+            </a:r>
+            <a:r>
+              <a:rPr lang="zh-CN" altLang="en-US" dirty="0"/>
+              <a:t>操作环境下使用</a:t>
+            </a:r>
+            <a:r>
+              <a:rPr lang="en-US" altLang="zh-CN" dirty="0"/>
+              <a:t>Python</a:t>
+            </a:r>
+            <a:r>
+              <a:rPr lang="zh-CN" altLang="en-US" dirty="0"/>
+              <a:t>编程语言进行实验床通信和计算的开发，使用    </a:t>
+            </a:r>
+            <a:r>
+              <a:rPr lang="en-US" altLang="zh-CN" dirty="0"/>
+              <a:t>Html,</a:t>
+            </a:r>
+            <a:r>
+              <a:rPr lang="zh-CN" altLang="en-US" dirty="0"/>
+              <a:t> </a:t>
+            </a:r>
+            <a:r>
+              <a:rPr lang="en-US" altLang="zh-CN" dirty="0"/>
+              <a:t>JavaScript</a:t>
+            </a:r>
+            <a:r>
+              <a:rPr lang="zh-CN" altLang="en-US" dirty="0"/>
+              <a:t>以及</a:t>
+            </a:r>
+            <a:r>
+              <a:rPr lang="en-US" altLang="zh-CN" dirty="0"/>
+              <a:t>PHP</a:t>
+            </a:r>
+            <a:r>
+              <a:rPr lang="zh-CN" altLang="en-US" dirty="0"/>
+              <a:t>进行可视化的开发。</a:t>
+            </a:r>
+            <a:endParaRPr lang="en-US" altLang="zh-CN" dirty="0"/>
+          </a:p>
+          <a:p>
+            <a:pPr lvl="1"/>
+            <a:r>
+              <a:rPr lang="zh-CN" altLang="en-US" dirty="0"/>
               <a:t>利用</a:t>
             </a:r>
             <a:r>
@@ -6965,7 +7021,7 @@
               <a:t>网络构建</a:t>
             </a:r>
             <a:r>
-              <a:rPr lang="en-US" altLang="zh-CN" dirty="0"/>
+              <a:rPr lang="en-US" altLang="zh-CN" b="1" dirty="0"/>
               <a:t>Overlay</a:t>
             </a:r>
             <a:r>
@@ -6994,7 +7050,15 @@
             <a:pPr lvl="1"/>
             <a:r>
               <a:rPr lang="zh-CN" altLang="en-US" dirty="0"/>
-              <a:t>使用雾计算进行进行资源调度，加快紧急情况的处理。</a:t>
+              <a:t>使用</a:t>
+            </a:r>
+            <a:r>
+              <a:rPr lang="zh-CN" altLang="en-US" b="1" dirty="0"/>
+              <a:t>雾计算</a:t>
+            </a:r>
+            <a:r>
+              <a:rPr lang="zh-CN" altLang="en-US" dirty="0"/>
+              <a:t>进行进行资源调度，加快紧急情况的处理。</a:t>
             </a:r>
             <a:endParaRPr lang="en-US" altLang="zh-CN" dirty="0"/>
           </a:p>
@@ -7002,11 +7066,7 @@
             <a:pPr lvl="1"/>
             <a:r>
               <a:rPr lang="zh-CN" altLang="en-US" dirty="0"/>
-              <a:t>实现可视化，监控实验床</a:t>
-            </a:r>
-            <a:r>
-              <a:rPr lang="zh-CN" altLang="en-US"/>
-              <a:t>各节点物理状态。</a:t>
+              <a:t>实现可视化，监控实验床各节点物理状态。</a:t>
             </a:r>
             <a:endParaRPr lang="en-US" altLang="zh-CN" dirty="0"/>
           </a:p>
